--- a/docs/source/figs.pptx
+++ b/docs/source/figs.pptx
@@ -6,6 +6,7 @@
   </p:sldMasterIdLst>
   <p:sldIdLst>
     <p:sldId id="256" r:id="rId2"/>
+    <p:sldId id="257" r:id="rId3"/>
   </p:sldIdLst>
   <p:sldSz cx="12192000" cy="6858000"/>
   <p:notesSz cx="6858000" cy="9144000"/>
@@ -104,6 +105,11 @@
       </a:defRPr>
     </a:lvl9pPr>
   </p:defaultTextStyle>
+  <p:extLst>
+    <p:ext uri="{EFAFB233-063F-42B5-8137-9DF3F51BA10A}">
+      <p15:sldGuideLst xmlns:p15="http://schemas.microsoft.com/office/powerpoint/2012/main"/>
+    </p:ext>
+  </p:extLst>
 </p:presentation>
 </file>
 
@@ -256,7 +262,7 @@
           <a:p>
             <a:fld id="{446F0D5E-3653-4EBF-9A03-B2D72BFE802B}" type="datetimeFigureOut">
               <a:rPr lang="en-CA" smtClean="0"/>
-              <a:t>2022-10-07</a:t>
+              <a:t>2023-09-02</a:t>
             </a:fld>
             <a:endParaRPr lang="en-CA"/>
           </a:p>
@@ -456,7 +462,7 @@
           <a:p>
             <a:fld id="{446F0D5E-3653-4EBF-9A03-B2D72BFE802B}" type="datetimeFigureOut">
               <a:rPr lang="en-CA" smtClean="0"/>
-              <a:t>2022-10-07</a:t>
+              <a:t>2023-09-02</a:t>
             </a:fld>
             <a:endParaRPr lang="en-CA"/>
           </a:p>
@@ -666,7 +672,7 @@
           <a:p>
             <a:fld id="{446F0D5E-3653-4EBF-9A03-B2D72BFE802B}" type="datetimeFigureOut">
               <a:rPr lang="en-CA" smtClean="0"/>
-              <a:t>2022-10-07</a:t>
+              <a:t>2023-09-02</a:t>
             </a:fld>
             <a:endParaRPr lang="en-CA"/>
           </a:p>
@@ -866,7 +872,7 @@
           <a:p>
             <a:fld id="{446F0D5E-3653-4EBF-9A03-B2D72BFE802B}" type="datetimeFigureOut">
               <a:rPr lang="en-CA" smtClean="0"/>
-              <a:t>2022-10-07</a:t>
+              <a:t>2023-09-02</a:t>
             </a:fld>
             <a:endParaRPr lang="en-CA"/>
           </a:p>
@@ -1142,7 +1148,7 @@
           <a:p>
             <a:fld id="{446F0D5E-3653-4EBF-9A03-B2D72BFE802B}" type="datetimeFigureOut">
               <a:rPr lang="en-CA" smtClean="0"/>
-              <a:t>2022-10-07</a:t>
+              <a:t>2023-09-02</a:t>
             </a:fld>
             <a:endParaRPr lang="en-CA"/>
           </a:p>
@@ -1410,7 +1416,7 @@
           <a:p>
             <a:fld id="{446F0D5E-3653-4EBF-9A03-B2D72BFE802B}" type="datetimeFigureOut">
               <a:rPr lang="en-CA" smtClean="0"/>
-              <a:t>2022-10-07</a:t>
+              <a:t>2023-09-02</a:t>
             </a:fld>
             <a:endParaRPr lang="en-CA"/>
           </a:p>
@@ -1825,7 +1831,7 @@
           <a:p>
             <a:fld id="{446F0D5E-3653-4EBF-9A03-B2D72BFE802B}" type="datetimeFigureOut">
               <a:rPr lang="en-CA" smtClean="0"/>
-              <a:t>2022-10-07</a:t>
+              <a:t>2023-09-02</a:t>
             </a:fld>
             <a:endParaRPr lang="en-CA"/>
           </a:p>
@@ -1967,7 +1973,7 @@
           <a:p>
             <a:fld id="{446F0D5E-3653-4EBF-9A03-B2D72BFE802B}" type="datetimeFigureOut">
               <a:rPr lang="en-CA" smtClean="0"/>
-              <a:t>2022-10-07</a:t>
+              <a:t>2023-09-02</a:t>
             </a:fld>
             <a:endParaRPr lang="en-CA"/>
           </a:p>
@@ -2080,7 +2086,7 @@
           <a:p>
             <a:fld id="{446F0D5E-3653-4EBF-9A03-B2D72BFE802B}" type="datetimeFigureOut">
               <a:rPr lang="en-CA" smtClean="0"/>
-              <a:t>2022-10-07</a:t>
+              <a:t>2023-09-02</a:t>
             </a:fld>
             <a:endParaRPr lang="en-CA"/>
           </a:p>
@@ -2393,7 +2399,7 @@
           <a:p>
             <a:fld id="{446F0D5E-3653-4EBF-9A03-B2D72BFE802B}" type="datetimeFigureOut">
               <a:rPr lang="en-CA" smtClean="0"/>
-              <a:t>2022-10-07</a:t>
+              <a:t>2023-09-02</a:t>
             </a:fld>
             <a:endParaRPr lang="en-CA"/>
           </a:p>
@@ -2682,7 +2688,7 @@
           <a:p>
             <a:fld id="{446F0D5E-3653-4EBF-9A03-B2D72BFE802B}" type="datetimeFigureOut">
               <a:rPr lang="en-CA" smtClean="0"/>
-              <a:t>2022-10-07</a:t>
+              <a:t>2023-09-02</a:t>
             </a:fld>
             <a:endParaRPr lang="en-CA"/>
           </a:p>
@@ -2925,7 +2931,7 @@
           <a:p>
             <a:fld id="{446F0D5E-3653-4EBF-9A03-B2D72BFE802B}" type="datetimeFigureOut">
               <a:rPr lang="en-CA" smtClean="0"/>
-              <a:t>2022-10-07</a:t>
+              <a:t>2023-09-02</a:t>
             </a:fld>
             <a:endParaRPr lang="en-CA"/>
           </a:p>
@@ -3451,14 +3457,14 @@
           <p:nvPr>
             <p:extLst>
               <p:ext uri="{D42A27DB-BD31-4B8C-83A1-F6EECF244321}">
-                <p14:modId xmlns:p14="http://schemas.microsoft.com/office/powerpoint/2010/main" val="3607606118"/>
+                <p14:modId xmlns:p14="http://schemas.microsoft.com/office/powerpoint/2010/main" val="2850620480"/>
               </p:ext>
             </p:extLst>
           </p:nvPr>
         </p:nvGraphicFramePr>
         <p:xfrm>
           <a:off x="530370" y="325385"/>
-          <a:ext cx="2716169" cy="2194560"/>
+          <a:ext cx="2716169" cy="1920240"/>
         </p:xfrm>
         <a:graphic>
           <a:graphicData uri="http://schemas.openxmlformats.org/drawingml/2006/table">
@@ -3953,112 +3959,6 @@
                     <a:lstStyle/>
                     <a:p>
                       <a:r>
-                        <a:rPr lang="en-US" sz="1200" dirty="0" err="1">
-                          <a:solidFill>
-                            <a:schemeClr val="accent2">
-                              <a:lumMod val="75000"/>
-                            </a:schemeClr>
-                          </a:solidFill>
-                          <a:latin typeface="Consolas" panose="020B0609020204030204" pitchFamily="49" charset="0"/>
-                        </a:rPr>
-                        <a:t>jacobian</a:t>
-                      </a:r>
-                      <a:r>
-                        <a:rPr lang="en-US" sz="1200" dirty="0">
-                          <a:latin typeface="Consolas" panose="020B0609020204030204" pitchFamily="49" charset="0"/>
-                        </a:rPr>
-                        <a:t>(</a:t>
-                      </a:r>
-                      <a:r>
-                        <a:rPr lang="en-US" sz="1200" dirty="0">
-                          <a:solidFill>
-                            <a:srgbClr val="0070C0"/>
-                          </a:solidFill>
-                          <a:latin typeface="Consolas" panose="020B0609020204030204" pitchFamily="49" charset="0"/>
-                        </a:rPr>
-                        <a:t>dx</a:t>
-                      </a:r>
-                      <a:r>
-                        <a:rPr lang="en-US" sz="1200" dirty="0">
-                          <a:latin typeface="Consolas" panose="020B0609020204030204" pitchFamily="49" charset="0"/>
-                        </a:rPr>
-                        <a:t>: </a:t>
-                      </a:r>
-                      <a:r>
-                        <a:rPr lang="en-US" sz="1200" dirty="0" err="1">
-                          <a:latin typeface="Consolas" panose="020B0609020204030204" pitchFamily="49" charset="0"/>
-                        </a:rPr>
-                        <a:t>ndarray</a:t>
-                      </a:r>
-                      <a:r>
-                        <a:rPr lang="en-US" sz="1200" dirty="0">
-                          <a:latin typeface="Consolas" panose="020B0609020204030204" pitchFamily="49" charset="0"/>
-                        </a:rPr>
-                        <a:t>): </a:t>
-                      </a:r>
-                      <a:r>
-                        <a:rPr lang="en-US" sz="1200" dirty="0" err="1">
-                          <a:latin typeface="Consolas" panose="020B0609020204030204" pitchFamily="49" charset="0"/>
-                        </a:rPr>
-                        <a:t>ndarray</a:t>
-                      </a:r>
-                      <a:endParaRPr lang="en-CA" sz="1200" dirty="0">
-                        <a:latin typeface="Consolas" panose="020B0609020204030204" pitchFamily="49" charset="0"/>
-                      </a:endParaRPr>
-                    </a:p>
-                  </a:txBody>
-                  <a:tcPr>
-                    <a:lnL w="12700" cap="flat" cmpd="sng" algn="ctr">
-                      <a:solidFill>
-                        <a:srgbClr val="C00000"/>
-                      </a:solidFill>
-                      <a:prstDash val="solid"/>
-                      <a:round/>
-                      <a:headEnd type="none" w="med" len="med"/>
-                      <a:tailEnd type="none" w="med" len="med"/>
-                    </a:lnL>
-                    <a:lnR w="12700" cap="flat" cmpd="sng" algn="ctr">
-                      <a:solidFill>
-                        <a:srgbClr val="C00000"/>
-                      </a:solidFill>
-                      <a:prstDash val="solid"/>
-                      <a:round/>
-                      <a:headEnd type="none" w="med" len="med"/>
-                      <a:tailEnd type="none" w="med" len="med"/>
-                    </a:lnR>
-                    <a:lnT w="12700" cmpd="sng">
-                      <a:noFill/>
-                    </a:lnT>
-                    <a:lnB w="12700" cap="flat" cmpd="sng" algn="ctr">
-                      <a:noFill/>
-                      <a:prstDash val="solid"/>
-                      <a:round/>
-                      <a:headEnd type="none" w="med" len="med"/>
-                      <a:tailEnd type="none" w="med" len="med"/>
-                    </a:lnB>
-                    <a:lnTlToBr w="12700" cmpd="sng">
-                      <a:noFill/>
-                      <a:prstDash val="solid"/>
-                    </a:lnTlToBr>
-                    <a:lnBlToTr w="12700" cmpd="sng">
-                      <a:noFill/>
-                      <a:prstDash val="solid"/>
-                    </a:lnBlToTr>
-                  </a:tcPr>
-                </a:tc>
-                <a:extLst>
-                  <a:ext uri="{0D108BD9-81ED-4DB2-BD59-A6C34878D82A}">
-                    <a16:rowId xmlns:a16="http://schemas.microsoft.com/office/drawing/2014/main" val="1145669537"/>
-                  </a:ext>
-                </a:extLst>
-              </a:tr>
-              <a:tr h="267504">
-                <a:tc>
-                  <a:txBody>
-                    <a:bodyPr/>
-                    <a:lstStyle/>
-                    <a:p>
-                      <a:r>
                         <a:rPr lang="en-US" sz="1200" dirty="0">
                           <a:solidFill>
                             <a:schemeClr val="accent2">
@@ -4146,14 +4046,14 @@
           <p:nvPr>
             <p:extLst>
               <p:ext uri="{D42A27DB-BD31-4B8C-83A1-F6EECF244321}">
-                <p14:modId xmlns:p14="http://schemas.microsoft.com/office/powerpoint/2010/main" val="1755558658"/>
+                <p14:modId xmlns:p14="http://schemas.microsoft.com/office/powerpoint/2010/main" val="3148133659"/>
               </p:ext>
             </p:extLst>
           </p:nvPr>
         </p:nvGraphicFramePr>
         <p:xfrm>
           <a:off x="3762642" y="331000"/>
-          <a:ext cx="4445704" cy="1097280"/>
+          <a:ext cx="4445704" cy="822960"/>
         </p:xfrm>
         <a:graphic>
           <a:graphicData uri="http://schemas.openxmlformats.org/drawingml/2006/table">
@@ -4365,128 +4265,6 @@
                     <a:lstStyle/>
                     <a:p>
                       <a:r>
-                        <a:rPr lang="en-US" sz="1200" b="0" kern="1200" dirty="0" err="1">
-                          <a:solidFill>
-                            <a:schemeClr val="accent2">
-                              <a:lumMod val="75000"/>
-                            </a:schemeClr>
-                          </a:solidFill>
-                          <a:latin typeface="Consolas" panose="020B0609020204030204" pitchFamily="49" charset="0"/>
-                          <a:ea typeface="+mn-ea"/>
-                          <a:cs typeface="+mn-cs"/>
-                        </a:rPr>
-                        <a:t>jacobian</a:t>
-                      </a:r>
-                      <a:r>
-                        <a:rPr lang="en-US" sz="1200" dirty="0">
-                          <a:latin typeface="Consolas" panose="020B0609020204030204" pitchFamily="49" charset="0"/>
-                        </a:rPr>
-                        <a:t>(</a:t>
-                      </a:r>
-                      <a:r>
-                        <a:rPr lang="en-US" sz="1200" dirty="0">
-                          <a:solidFill>
-                            <a:srgbClr val="0070C0"/>
-                          </a:solidFill>
-                          <a:latin typeface="Consolas" panose="020B0609020204030204" pitchFamily="49" charset="0"/>
-                        </a:rPr>
-                        <a:t>x</a:t>
-                      </a:r>
-                      <a:r>
-                        <a:rPr lang="en-US" sz="1200" dirty="0">
-                          <a:latin typeface="Consolas" panose="020B0609020204030204" pitchFamily="49" charset="0"/>
-                        </a:rPr>
-                        <a:t>: State, </a:t>
-                      </a:r>
-                      <a:r>
-                        <a:rPr lang="en-US" sz="1200" dirty="0">
-                          <a:solidFill>
-                            <a:srgbClr val="0070C0"/>
-                          </a:solidFill>
-                          <a:latin typeface="Consolas" panose="020B0609020204030204" pitchFamily="49" charset="0"/>
-                        </a:rPr>
-                        <a:t>u</a:t>
-                      </a:r>
-                      <a:r>
-                        <a:rPr lang="en-US" sz="1200" dirty="0">
-                          <a:latin typeface="Consolas" panose="020B0609020204030204" pitchFamily="49" charset="0"/>
-                        </a:rPr>
-                        <a:t>: Input, </a:t>
-                      </a:r>
-                      <a:r>
-                        <a:rPr lang="en-US" sz="1200" dirty="0">
-                          <a:solidFill>
-                            <a:srgbClr val="0070C0"/>
-                          </a:solidFill>
-                          <a:latin typeface="Consolas" panose="020B0609020204030204" pitchFamily="49" charset="0"/>
-                        </a:rPr>
-                        <a:t>dt</a:t>
-                      </a:r>
-                      <a:r>
-                        <a:rPr lang="en-US" sz="1200" dirty="0">
-                          <a:latin typeface="Consolas" panose="020B0609020204030204" pitchFamily="49" charset="0"/>
-                        </a:rPr>
-                        <a:t>: float): </a:t>
-                      </a:r>
-                      <a:r>
-                        <a:rPr lang="en-US" sz="1200" dirty="0" err="1">
-                          <a:latin typeface="Consolas" panose="020B0609020204030204" pitchFamily="49" charset="0"/>
-                        </a:rPr>
-                        <a:t>ndarray</a:t>
-                      </a:r>
-                      <a:endParaRPr lang="en-CA" sz="1200" dirty="0">
-                        <a:latin typeface="Consolas" panose="020B0609020204030204" pitchFamily="49" charset="0"/>
-                      </a:endParaRPr>
-                    </a:p>
-                  </a:txBody>
-                  <a:tcPr>
-                    <a:lnL w="12700" cap="flat" cmpd="sng" algn="ctr">
-                      <a:solidFill>
-                        <a:srgbClr val="C00000"/>
-                      </a:solidFill>
-                      <a:prstDash val="solid"/>
-                      <a:round/>
-                      <a:headEnd type="none" w="med" len="med"/>
-                      <a:tailEnd type="none" w="med" len="med"/>
-                    </a:lnL>
-                    <a:lnR w="12700" cap="flat" cmpd="sng" algn="ctr">
-                      <a:solidFill>
-                        <a:srgbClr val="C00000"/>
-                      </a:solidFill>
-                      <a:prstDash val="solid"/>
-                      <a:round/>
-                      <a:headEnd type="none" w="med" len="med"/>
-                      <a:tailEnd type="none" w="med" len="med"/>
-                    </a:lnR>
-                    <a:lnT w="12700" cmpd="sng">
-                      <a:noFill/>
-                    </a:lnT>
-                    <a:lnB w="12700" cmpd="sng">
-                      <a:noFill/>
-                    </a:lnB>
-                    <a:lnTlToBr w="12700" cmpd="sng">
-                      <a:noFill/>
-                      <a:prstDash val="solid"/>
-                    </a:lnTlToBr>
-                    <a:lnBlToTr w="12700" cmpd="sng">
-                      <a:noFill/>
-                      <a:prstDash val="solid"/>
-                    </a:lnBlToTr>
-                  </a:tcPr>
-                </a:tc>
-                <a:extLst>
-                  <a:ext uri="{0D108BD9-81ED-4DB2-BD59-A6C34878D82A}">
-                    <a16:rowId xmlns:a16="http://schemas.microsoft.com/office/drawing/2014/main" val="1428278541"/>
-                  </a:ext>
-                </a:extLst>
-              </a:tr>
-              <a:tr h="267504">
-                <a:tc>
-                  <a:txBody>
-                    <a:bodyPr/>
-                    <a:lstStyle/>
-                    <a:p>
-                      <a:r>
                         <a:rPr lang="en-US" sz="1200" b="0" kern="1200" dirty="0">
                           <a:solidFill>
                             <a:schemeClr val="accent2">
@@ -4627,14 +4405,14 @@
           <p:nvPr>
             <p:extLst>
               <p:ext uri="{D42A27DB-BD31-4B8C-83A1-F6EECF244321}">
-                <p14:modId xmlns:p14="http://schemas.microsoft.com/office/powerpoint/2010/main" val="4233758175"/>
+                <p14:modId xmlns:p14="http://schemas.microsoft.com/office/powerpoint/2010/main" val="838989531"/>
               </p:ext>
             </p:extLst>
           </p:nvPr>
         </p:nvGraphicFramePr>
         <p:xfrm>
           <a:off x="6288076" y="4649886"/>
-          <a:ext cx="2736514" cy="1097280"/>
+          <a:ext cx="2736514" cy="822960"/>
         </p:xfrm>
         <a:graphic>
           <a:graphicData uri="http://schemas.openxmlformats.org/drawingml/2006/table">
@@ -4810,96 +4588,6 @@
                 <a:extLst>
                   <a:ext uri="{0D108BD9-81ED-4DB2-BD59-A6C34878D82A}">
                     <a16:rowId xmlns:a16="http://schemas.microsoft.com/office/drawing/2014/main" val="1882276169"/>
-                  </a:ext>
-                </a:extLst>
-              </a:tr>
-              <a:tr h="267504">
-                <a:tc>
-                  <a:txBody>
-                    <a:bodyPr/>
-                    <a:lstStyle/>
-                    <a:p>
-                      <a:r>
-                        <a:rPr lang="en-US" sz="1200" dirty="0" err="1">
-                          <a:solidFill>
-                            <a:schemeClr val="accent2">
-                              <a:lumMod val="75000"/>
-                            </a:schemeClr>
-                          </a:solidFill>
-                          <a:latin typeface="Consolas" panose="020B0609020204030204" pitchFamily="49" charset="0"/>
-                        </a:rPr>
-                        <a:t>jacobian</a:t>
-                      </a:r>
-                      <a:r>
-                        <a:rPr lang="en-US" sz="1200" dirty="0">
-                          <a:latin typeface="Consolas" panose="020B0609020204030204" pitchFamily="49" charset="0"/>
-                        </a:rPr>
-                        <a:t>(</a:t>
-                      </a:r>
-                      <a:r>
-                        <a:rPr lang="en-US" sz="1200" dirty="0">
-                          <a:solidFill>
-                            <a:srgbClr val="0070C0"/>
-                          </a:solidFill>
-                          <a:latin typeface="Consolas" panose="020B0609020204030204" pitchFamily="49" charset="0"/>
-                        </a:rPr>
-                        <a:t>x</a:t>
-                      </a:r>
-                      <a:r>
-                        <a:rPr lang="en-US" sz="1200" dirty="0">
-                          <a:latin typeface="Consolas" panose="020B0609020204030204" pitchFamily="49" charset="0"/>
-                        </a:rPr>
-                        <a:t>: State): </a:t>
-                      </a:r>
-                      <a:r>
-                        <a:rPr lang="en-US" sz="1200" dirty="0" err="1">
-                          <a:latin typeface="Consolas" panose="020B0609020204030204" pitchFamily="49" charset="0"/>
-                        </a:rPr>
-                        <a:t>ndarray</a:t>
-                      </a:r>
-                      <a:endParaRPr lang="en-CA" sz="1200" dirty="0">
-                        <a:latin typeface="Consolas" panose="020B0609020204030204" pitchFamily="49" charset="0"/>
-                      </a:endParaRPr>
-                    </a:p>
-                  </a:txBody>
-                  <a:tcPr>
-                    <a:lnL w="12700" cap="flat" cmpd="sng" algn="ctr">
-                      <a:solidFill>
-                        <a:srgbClr val="C00000"/>
-                      </a:solidFill>
-                      <a:prstDash val="solid"/>
-                      <a:round/>
-                      <a:headEnd type="none" w="med" len="med"/>
-                      <a:tailEnd type="none" w="med" len="med"/>
-                    </a:lnL>
-                    <a:lnR w="12700" cap="flat" cmpd="sng" algn="ctr">
-                      <a:solidFill>
-                        <a:srgbClr val="C00000"/>
-                      </a:solidFill>
-                      <a:prstDash val="solid"/>
-                      <a:round/>
-                      <a:headEnd type="none" w="med" len="med"/>
-                      <a:tailEnd type="none" w="med" len="med"/>
-                    </a:lnR>
-                    <a:lnT w="12700" cmpd="sng">
-                      <a:noFill/>
-                    </a:lnT>
-                    <a:lnB w="12700" cmpd="sng">
-                      <a:noFill/>
-                    </a:lnB>
-                    <a:lnTlToBr w="12700" cmpd="sng">
-                      <a:noFill/>
-                      <a:prstDash val="solid"/>
-                    </a:lnTlToBr>
-                    <a:lnBlToTr w="12700" cmpd="sng">
-                      <a:noFill/>
-                      <a:prstDash val="solid"/>
-                    </a:lnBlToTr>
-                  </a:tcPr>
-                </a:tc>
-                <a:extLst>
-                  <a:ext uri="{0D108BD9-81ED-4DB2-BD59-A6C34878D82A}">
-                    <a16:rowId xmlns:a16="http://schemas.microsoft.com/office/drawing/2014/main" val="1428278541"/>
                   </a:ext>
                 </a:extLst>
               </a:tr>
@@ -5887,8 +5575,8 @@
         </p:nvCxnSpPr>
         <p:spPr>
           <a:xfrm rot="16200000" flipH="1">
-            <a:off x="2689392" y="1719007"/>
-            <a:ext cx="465850" cy="2067726"/>
+            <a:off x="2552232" y="1581847"/>
+            <a:ext cx="740168" cy="2067724"/>
           </a:xfrm>
           <a:prstGeom prst="bentConnector2">
             <a:avLst/>
@@ -5971,13 +5659,15 @@
               </a:ext>
             </a:extLst>
           </p:cNvPr>
-          <p:cNvCxnSpPr/>
+          <p:cNvCxnSpPr>
+            <a:cxnSpLocks/>
+          </p:cNvCxnSpPr>
           <p:nvPr/>
         </p:nvCxnSpPr>
         <p:spPr>
           <a:xfrm>
-            <a:off x="5225143" y="1422665"/>
-            <a:ext cx="0" cy="1236559"/>
+            <a:off x="5225143" y="1153960"/>
+            <a:ext cx="0" cy="1505264"/>
           </a:xfrm>
           <a:prstGeom prst="straightConnector1">
             <a:avLst/>
@@ -6017,6 +5707,972 @@
 </p:sld>
 </file>
 
+<file path=ppt/slides/slide2.xml><?xml version="1.0" encoding="utf-8"?>
+<p:sld xmlns:a="http://schemas.openxmlformats.org/drawingml/2006/main" xmlns:r="http://schemas.openxmlformats.org/officeDocument/2006/relationships" xmlns:p="http://schemas.openxmlformats.org/presentationml/2006/main">
+  <p:cSld>
+    <p:spTree>
+      <p:nvGrpSpPr>
+        <p:cNvPr id="1" name=""/>
+        <p:cNvGrpSpPr/>
+        <p:nvPr/>
+      </p:nvGrpSpPr>
+      <p:grpSpPr>
+        <a:xfrm>
+          <a:off x="0" y="0"/>
+          <a:ext cx="0" cy="0"/>
+          <a:chOff x="0" y="0"/>
+          <a:chExt cx="0" cy="0"/>
+        </a:xfrm>
+      </p:grpSpPr>
+      <p:grpSp>
+        <p:nvGrpSpPr>
+          <p:cNvPr id="16" name="Group 15">
+            <a:extLst>
+              <a:ext uri="{FF2B5EF4-FFF2-40B4-BE49-F238E27FC236}">
+                <a16:creationId xmlns:a16="http://schemas.microsoft.com/office/drawing/2014/main" id="{6F9FBD3E-F0BF-D807-0BBD-D3B413DD20F6}"/>
+              </a:ext>
+            </a:extLst>
+          </p:cNvPr>
+          <p:cNvGrpSpPr/>
+          <p:nvPr/>
+        </p:nvGrpSpPr>
+        <p:grpSpPr>
+          <a:xfrm rot="3247220">
+            <a:off x="5281301" y="974222"/>
+            <a:ext cx="2683380" cy="2777382"/>
+            <a:chOff x="3862699" y="1204958"/>
+            <a:chExt cx="2683380" cy="2777382"/>
+          </a:xfrm>
+        </p:grpSpPr>
+        <p:grpSp>
+          <p:nvGrpSpPr>
+            <p:cNvPr id="10" name="Group 9">
+              <a:extLst>
+                <a:ext uri="{FF2B5EF4-FFF2-40B4-BE49-F238E27FC236}">
+                  <a16:creationId xmlns:a16="http://schemas.microsoft.com/office/drawing/2014/main" id="{D1D6A7D9-4296-0E16-9F62-E0C7946A598D}"/>
+                </a:ext>
+              </a:extLst>
+            </p:cNvPr>
+            <p:cNvGrpSpPr/>
+            <p:nvPr/>
+          </p:nvGrpSpPr>
+          <p:grpSpPr>
+            <a:xfrm>
+              <a:off x="4785644" y="2025353"/>
+              <a:ext cx="1760435" cy="1956987"/>
+              <a:chOff x="4785644" y="2025353"/>
+              <a:chExt cx="1760435" cy="1956987"/>
+            </a:xfrm>
+          </p:grpSpPr>
+          <p:sp>
+            <p:nvSpPr>
+              <p:cNvPr id="5" name="Rectangle: Top Corners Snipped 4">
+                <a:extLst>
+                  <a:ext uri="{FF2B5EF4-FFF2-40B4-BE49-F238E27FC236}">
+                    <a16:creationId xmlns:a16="http://schemas.microsoft.com/office/drawing/2014/main" id="{38E9FDB2-07DA-BC78-C983-525AE47C9595}"/>
+                  </a:ext>
+                </a:extLst>
+              </p:cNvPr>
+              <p:cNvSpPr/>
+              <p:nvPr/>
+            </p:nvSpPr>
+            <p:spPr>
+              <a:xfrm>
+                <a:off x="5084748" y="2025353"/>
+                <a:ext cx="1162228" cy="1956987"/>
+              </a:xfrm>
+              <a:prstGeom prst="snip2SameRect">
+                <a:avLst/>
+              </a:prstGeom>
+              <a:solidFill>
+                <a:schemeClr val="accent5">
+                  <a:lumMod val="60000"/>
+                  <a:lumOff val="40000"/>
+                </a:schemeClr>
+              </a:solidFill>
+            </p:spPr>
+            <p:style>
+              <a:lnRef idx="2">
+                <a:schemeClr val="accent1">
+                  <a:shade val="15000"/>
+                </a:schemeClr>
+              </a:lnRef>
+              <a:fillRef idx="1">
+                <a:schemeClr val="accent1"/>
+              </a:fillRef>
+              <a:effectRef idx="0">
+                <a:schemeClr val="accent1"/>
+              </a:effectRef>
+              <a:fontRef idx="minor">
+                <a:schemeClr val="lt1"/>
+              </a:fontRef>
+            </p:style>
+            <p:txBody>
+              <a:bodyPr rtlCol="0" anchor="ctr"/>
+              <a:lstStyle/>
+              <a:p>
+                <a:pPr algn="ctr"/>
+                <a:endParaRPr lang="en-CA"/>
+              </a:p>
+            </p:txBody>
+          </p:sp>
+          <p:sp>
+            <p:nvSpPr>
+              <p:cNvPr id="6" name="Rectangle: Rounded Corners 5">
+                <a:extLst>
+                  <a:ext uri="{FF2B5EF4-FFF2-40B4-BE49-F238E27FC236}">
+                    <a16:creationId xmlns:a16="http://schemas.microsoft.com/office/drawing/2014/main" id="{2141B992-EA32-B089-CFE4-88AC01E7D845}"/>
+                  </a:ext>
+                </a:extLst>
+              </p:cNvPr>
+              <p:cNvSpPr/>
+              <p:nvPr/>
+            </p:nvSpPr>
+            <p:spPr>
+              <a:xfrm>
+                <a:off x="4785644" y="2264636"/>
+                <a:ext cx="299103" cy="581114"/>
+              </a:xfrm>
+              <a:prstGeom prst="roundRect">
+                <a:avLst/>
+              </a:prstGeom>
+              <a:solidFill>
+                <a:schemeClr val="tx1">
+                  <a:lumMod val="65000"/>
+                  <a:lumOff val="35000"/>
+                </a:schemeClr>
+              </a:solidFill>
+            </p:spPr>
+            <p:style>
+              <a:lnRef idx="2">
+                <a:schemeClr val="accent1">
+                  <a:shade val="15000"/>
+                </a:schemeClr>
+              </a:lnRef>
+              <a:fillRef idx="1">
+                <a:schemeClr val="accent1"/>
+              </a:fillRef>
+              <a:effectRef idx="0">
+                <a:schemeClr val="accent1"/>
+              </a:effectRef>
+              <a:fontRef idx="minor">
+                <a:schemeClr val="lt1"/>
+              </a:fontRef>
+            </p:style>
+            <p:txBody>
+              <a:bodyPr rtlCol="0" anchor="ctr"/>
+              <a:lstStyle/>
+              <a:p>
+                <a:pPr algn="ctr"/>
+                <a:endParaRPr lang="en-CA"/>
+              </a:p>
+            </p:txBody>
+          </p:sp>
+          <p:sp>
+            <p:nvSpPr>
+              <p:cNvPr id="7" name="Rectangle: Rounded Corners 6">
+                <a:extLst>
+                  <a:ext uri="{FF2B5EF4-FFF2-40B4-BE49-F238E27FC236}">
+                    <a16:creationId xmlns:a16="http://schemas.microsoft.com/office/drawing/2014/main" id="{AF9FBBE6-38EB-29F6-A508-E4DD930C7FF5}"/>
+                  </a:ext>
+                </a:extLst>
+              </p:cNvPr>
+              <p:cNvSpPr/>
+              <p:nvPr/>
+            </p:nvSpPr>
+            <p:spPr>
+              <a:xfrm>
+                <a:off x="4785644" y="3401226"/>
+                <a:ext cx="299103" cy="581114"/>
+              </a:xfrm>
+              <a:prstGeom prst="roundRect">
+                <a:avLst/>
+              </a:prstGeom>
+              <a:solidFill>
+                <a:schemeClr val="tx1">
+                  <a:lumMod val="65000"/>
+                  <a:lumOff val="35000"/>
+                </a:schemeClr>
+              </a:solidFill>
+            </p:spPr>
+            <p:style>
+              <a:lnRef idx="2">
+                <a:schemeClr val="accent1">
+                  <a:shade val="15000"/>
+                </a:schemeClr>
+              </a:lnRef>
+              <a:fillRef idx="1">
+                <a:schemeClr val="accent1"/>
+              </a:fillRef>
+              <a:effectRef idx="0">
+                <a:schemeClr val="accent1"/>
+              </a:effectRef>
+              <a:fontRef idx="minor">
+                <a:schemeClr val="lt1"/>
+              </a:fontRef>
+            </p:style>
+            <p:txBody>
+              <a:bodyPr rtlCol="0" anchor="ctr"/>
+              <a:lstStyle/>
+              <a:p>
+                <a:pPr algn="ctr"/>
+                <a:endParaRPr lang="en-CA"/>
+              </a:p>
+            </p:txBody>
+          </p:sp>
+          <p:sp>
+            <p:nvSpPr>
+              <p:cNvPr id="8" name="Rectangle: Rounded Corners 7">
+                <a:extLst>
+                  <a:ext uri="{FF2B5EF4-FFF2-40B4-BE49-F238E27FC236}">
+                    <a16:creationId xmlns:a16="http://schemas.microsoft.com/office/drawing/2014/main" id="{4854E78E-86BA-DE1F-8DDB-D8318B355BE5}"/>
+                  </a:ext>
+                </a:extLst>
+              </p:cNvPr>
+              <p:cNvSpPr/>
+              <p:nvPr/>
+            </p:nvSpPr>
+            <p:spPr>
+              <a:xfrm>
+                <a:off x="6246976" y="3401226"/>
+                <a:ext cx="299103" cy="581114"/>
+              </a:xfrm>
+              <a:prstGeom prst="roundRect">
+                <a:avLst/>
+              </a:prstGeom>
+              <a:solidFill>
+                <a:schemeClr val="tx1">
+                  <a:lumMod val="65000"/>
+                  <a:lumOff val="35000"/>
+                </a:schemeClr>
+              </a:solidFill>
+            </p:spPr>
+            <p:style>
+              <a:lnRef idx="2">
+                <a:schemeClr val="accent1">
+                  <a:shade val="15000"/>
+                </a:schemeClr>
+              </a:lnRef>
+              <a:fillRef idx="1">
+                <a:schemeClr val="accent1"/>
+              </a:fillRef>
+              <a:effectRef idx="0">
+                <a:schemeClr val="accent1"/>
+              </a:effectRef>
+              <a:fontRef idx="minor">
+                <a:schemeClr val="lt1"/>
+              </a:fontRef>
+            </p:style>
+            <p:txBody>
+              <a:bodyPr rtlCol="0" anchor="ctr"/>
+              <a:lstStyle/>
+              <a:p>
+                <a:pPr algn="ctr"/>
+                <a:endParaRPr lang="en-CA"/>
+              </a:p>
+            </p:txBody>
+          </p:sp>
+          <p:sp>
+            <p:nvSpPr>
+              <p:cNvPr id="9" name="Rectangle: Rounded Corners 8">
+                <a:extLst>
+                  <a:ext uri="{FF2B5EF4-FFF2-40B4-BE49-F238E27FC236}">
+                    <a16:creationId xmlns:a16="http://schemas.microsoft.com/office/drawing/2014/main" id="{041E330F-1263-468F-3ED3-6C978E83CA73}"/>
+                  </a:ext>
+                </a:extLst>
+              </p:cNvPr>
+              <p:cNvSpPr/>
+              <p:nvPr/>
+            </p:nvSpPr>
+            <p:spPr>
+              <a:xfrm>
+                <a:off x="6246976" y="2264636"/>
+                <a:ext cx="299103" cy="581114"/>
+              </a:xfrm>
+              <a:prstGeom prst="roundRect">
+                <a:avLst/>
+              </a:prstGeom>
+              <a:solidFill>
+                <a:schemeClr val="tx1">
+                  <a:lumMod val="65000"/>
+                  <a:lumOff val="35000"/>
+                </a:schemeClr>
+              </a:solidFill>
+            </p:spPr>
+            <p:style>
+              <a:lnRef idx="2">
+                <a:schemeClr val="accent1">
+                  <a:shade val="15000"/>
+                </a:schemeClr>
+              </a:lnRef>
+              <a:fillRef idx="1">
+                <a:schemeClr val="accent1"/>
+              </a:fillRef>
+              <a:effectRef idx="0">
+                <a:schemeClr val="accent1"/>
+              </a:effectRef>
+              <a:fontRef idx="minor">
+                <a:schemeClr val="lt1"/>
+              </a:fontRef>
+            </p:style>
+            <p:txBody>
+              <a:bodyPr rtlCol="0" anchor="ctr"/>
+              <a:lstStyle/>
+              <a:p>
+                <a:pPr algn="ctr"/>
+                <a:endParaRPr lang="en-CA"/>
+              </a:p>
+            </p:txBody>
+          </p:sp>
+        </p:grpSp>
+        <p:cxnSp>
+          <p:nvCxnSpPr>
+            <p:cNvPr id="12" name="Straight Arrow Connector 11">
+              <a:extLst>
+                <a:ext uri="{FF2B5EF4-FFF2-40B4-BE49-F238E27FC236}">
+                  <a16:creationId xmlns:a16="http://schemas.microsoft.com/office/drawing/2014/main" id="{2623661E-E689-8053-AD9F-31D2893645E8}"/>
+                </a:ext>
+              </a:extLst>
+            </p:cNvPr>
+            <p:cNvCxnSpPr/>
+            <p:nvPr/>
+          </p:nvCxnSpPr>
+          <p:spPr>
+            <a:xfrm flipV="1">
+              <a:off x="5665862" y="1204958"/>
+              <a:ext cx="0" cy="1800000"/>
+            </a:xfrm>
+            <a:prstGeom prst="straightConnector1">
+              <a:avLst/>
+            </a:prstGeom>
+            <a:ln w="57150">
+              <a:solidFill>
+                <a:schemeClr val="tx1">
+                  <a:lumMod val="50000"/>
+                  <a:lumOff val="50000"/>
+                </a:schemeClr>
+              </a:solidFill>
+              <a:tailEnd type="triangle"/>
+            </a:ln>
+          </p:spPr>
+          <p:style>
+            <a:lnRef idx="1">
+              <a:schemeClr val="accent1"/>
+            </a:lnRef>
+            <a:fillRef idx="0">
+              <a:schemeClr val="accent1"/>
+            </a:fillRef>
+            <a:effectRef idx="0">
+              <a:schemeClr val="accent1"/>
+            </a:effectRef>
+            <a:fontRef idx="minor">
+              <a:schemeClr val="tx1"/>
+            </a:fontRef>
+          </p:style>
+        </p:cxnSp>
+        <p:cxnSp>
+          <p:nvCxnSpPr>
+            <p:cNvPr id="13" name="Straight Arrow Connector 12">
+              <a:extLst>
+                <a:ext uri="{FF2B5EF4-FFF2-40B4-BE49-F238E27FC236}">
+                  <a16:creationId xmlns:a16="http://schemas.microsoft.com/office/drawing/2014/main" id="{82A1D626-92E2-D5E5-1C6D-F9DCC7D533A1}"/>
+                </a:ext>
+              </a:extLst>
+            </p:cNvPr>
+            <p:cNvCxnSpPr>
+              <a:cxnSpLocks/>
+            </p:cNvCxnSpPr>
+            <p:nvPr/>
+          </p:nvCxnSpPr>
+          <p:spPr>
+            <a:xfrm flipH="1">
+              <a:off x="3862699" y="3003846"/>
+              <a:ext cx="1800000" cy="0"/>
+            </a:xfrm>
+            <a:prstGeom prst="straightConnector1">
+              <a:avLst/>
+            </a:prstGeom>
+            <a:ln w="57150">
+              <a:solidFill>
+                <a:schemeClr val="tx1">
+                  <a:lumMod val="50000"/>
+                  <a:lumOff val="50000"/>
+                </a:schemeClr>
+              </a:solidFill>
+              <a:tailEnd type="triangle"/>
+            </a:ln>
+          </p:spPr>
+          <p:style>
+            <a:lnRef idx="1">
+              <a:schemeClr val="accent1"/>
+            </a:lnRef>
+            <a:fillRef idx="0">
+              <a:schemeClr val="accent1"/>
+            </a:fillRef>
+            <a:effectRef idx="0">
+              <a:schemeClr val="accent1"/>
+            </a:effectRef>
+            <a:fontRef idx="minor">
+              <a:schemeClr val="tx1"/>
+            </a:fontRef>
+          </p:style>
+        </p:cxnSp>
+      </p:grpSp>
+      <p:cxnSp>
+        <p:nvCxnSpPr>
+          <p:cNvPr id="17" name="Straight Arrow Connector 16">
+            <a:extLst>
+              <a:ext uri="{FF2B5EF4-FFF2-40B4-BE49-F238E27FC236}">
+                <a16:creationId xmlns:a16="http://schemas.microsoft.com/office/drawing/2014/main" id="{F31F1823-8AC0-F0A0-6548-68F37F89B293}"/>
+              </a:ext>
+            </a:extLst>
+          </p:cNvPr>
+          <p:cNvCxnSpPr/>
+          <p:nvPr/>
+        </p:nvCxnSpPr>
+        <p:spPr>
+          <a:xfrm rot="5402205" flipV="1">
+            <a:off x="2177198" y="4802496"/>
+            <a:ext cx="0" cy="1800000"/>
+          </a:xfrm>
+          <a:prstGeom prst="straightConnector1">
+            <a:avLst/>
+          </a:prstGeom>
+          <a:ln w="57150">
+            <a:solidFill>
+              <a:schemeClr val="tx1">
+                <a:lumMod val="50000"/>
+                <a:lumOff val="50000"/>
+              </a:schemeClr>
+            </a:solidFill>
+            <a:tailEnd type="triangle"/>
+          </a:ln>
+        </p:spPr>
+        <p:style>
+          <a:lnRef idx="1">
+            <a:schemeClr val="accent1"/>
+          </a:lnRef>
+          <a:fillRef idx="0">
+            <a:schemeClr val="accent1"/>
+          </a:fillRef>
+          <a:effectRef idx="0">
+            <a:schemeClr val="accent1"/>
+          </a:effectRef>
+          <a:fontRef idx="minor">
+            <a:schemeClr val="tx1"/>
+          </a:fontRef>
+        </p:style>
+      </p:cxnSp>
+      <p:cxnSp>
+        <p:nvCxnSpPr>
+          <p:cNvPr id="18" name="Straight Arrow Connector 17">
+            <a:extLst>
+              <a:ext uri="{FF2B5EF4-FFF2-40B4-BE49-F238E27FC236}">
+                <a16:creationId xmlns:a16="http://schemas.microsoft.com/office/drawing/2014/main" id="{D56D9E12-7AFC-521B-E6F3-9CDF7948BF20}"/>
+              </a:ext>
+            </a:extLst>
+          </p:cNvPr>
+          <p:cNvCxnSpPr>
+            <a:cxnSpLocks/>
+          </p:cNvCxnSpPr>
+          <p:nvPr/>
+        </p:nvCxnSpPr>
+        <p:spPr>
+          <a:xfrm rot="5402205" flipH="1">
+            <a:off x="378889" y="4798756"/>
+            <a:ext cx="1800000" cy="0"/>
+          </a:xfrm>
+          <a:prstGeom prst="straightConnector1">
+            <a:avLst/>
+          </a:prstGeom>
+          <a:ln w="57150">
+            <a:solidFill>
+              <a:schemeClr val="tx1">
+                <a:lumMod val="50000"/>
+                <a:lumOff val="50000"/>
+              </a:schemeClr>
+            </a:solidFill>
+            <a:tailEnd type="triangle"/>
+          </a:ln>
+        </p:spPr>
+        <p:style>
+          <a:lnRef idx="1">
+            <a:schemeClr val="accent1"/>
+          </a:lnRef>
+          <a:fillRef idx="0">
+            <a:schemeClr val="accent1"/>
+          </a:fillRef>
+          <a:effectRef idx="0">
+            <a:schemeClr val="accent1"/>
+          </a:effectRef>
+          <a:fontRef idx="minor">
+            <a:schemeClr val="tx1"/>
+          </a:fontRef>
+        </p:style>
+      </p:cxnSp>
+      <p:pic>
+        <p:nvPicPr>
+          <p:cNvPr id="21" name="Picture 20" descr="\documentclass{article}&#10;\usepackage{amsmath}&#10;\usepackage[dvipsnames]{xcolor}&#10;\pagestyle{empty}&#10;&#10;%% Operators&#10;\newcommand{\norm}[1]{\left\Vert#1\right\Vert} % Norm&#10;\newcommand{\abs}[1]{\left\vert#1\right\vert} % Absolute value&#10;\newcommand{\pd}[2]{{\frac{\partial #1}{\partial #2}}} % Partial derivative&#10;\newcommand{\mc}[1]{\mathcal{#1}}  &#10;\newcommand{\mf}[1]{\mathfrak{#1}}  &#10;&#10;%% Matrix shortcuts&#10;\newcommand{\bma}[1]{\left[\begin{array}{#1}}&#10;\newcommand{\ema}{\end{array}\right]}&#10;&#10;% Basic bold for letters and symbols&#10;\DeclareMathAlphabet{\mbf}{OT1}{ptm}{b}{n}&#10;\newcommand{\mbs}[1]{{\boldsymbol{#1}}}&#10;\newcommand{\mbm}[1]{ \textbf{\textit{#1}} } % {\bm #1}&#10;\newcommand{\mbc}[1]{ \boldsymbol{\mathcal{#1}} } &#10;&#10;% helper bold symbols&#10;\newcommand{\mbsdot}[1]{{\dot{\boldsymbol{#1}}}}&#10;\newcommand{\mbsbar}[1]{{\bar{\boldsymbol{#1}}}}&#10;\newcommand{\mbshat}[1]{{\hat{\boldsymbol{#1}}}}&#10;\newcommand{\mbsvec}[1]{{\underrightarrow{\boldsymbol{#1}}}}&#10;\newcommand{\mbsdel}[1]{{\delta {\boldsymbol{#1}}}}&#10;\newcommand{\mbstilde}[1]{{\tilde{\boldsymbol{#1}}}}&#10;\newcommand{\mbfdot}[1]{{\dot{\mbf{#1}}}}&#10;\newcommand{\mbfbar}[1]{{\bar{\mbf{#1}}}}&#10;\newcommand{\mbfhat}[1]{{\hat{\mbf{#1}}}}&#10;\newcommand{\mbfvec}[1]{{\underrightarrow{\mbf{#1}}}}&#10;\newcommand{\mbfdel}[1]{{\delta{\mbf{#1}}}}&#10;\newcommand{\mbftilde}[1]{{\tilde{\mbf{#1}}}}&#10;\newcommand{\mbfcheck}[1]{{\check{\mbf{#1}}}}&#10;\newcommand{\colour}[2]{\color{#1}{#2}\color{black}}&#10;&#10;\newcommand{\trans}{{\ensuremath{\mathsf{T}}}} % transpose&#10;\definecolor{lightgreen}{rgb}{0.6,1,0.6}&#10;\definecolor{lightblue}{rgb}{0.85,0.85,1}&#10;\definecolor{lightred}{rgb}{1,0.75,0.75}&#10;\definecolor{verylightred}{rgb}{1,0.5,0.5}&#10;\definecolor{darkgreen}{rgb}{0.2,0.6,0.2}&#10;\definecolor{darkblue}{rgb}{0.2,0.2,0.5}&#10;\definecolor{darkred}{rgb}{0.8,0.1,0.1}&#10;\definecolor{lightgray}{rgb}{0.93,0.93,0.93}&#10;\begin{document}&#10;&#10;$$ \mc{F}_a$$&#10;&#10;\end{document}" title="IguanaTex Bitmap Display">
+            <a:extLst>
+              <a:ext uri="{FF2B5EF4-FFF2-40B4-BE49-F238E27FC236}">
+                <a16:creationId xmlns:a16="http://schemas.microsoft.com/office/drawing/2014/main" id="{27F54284-39F9-0798-BA46-FD88BA5CD4A1}"/>
+              </a:ext>
+            </a:extLst>
+          </p:cNvPr>
+          <p:cNvPicPr>
+            <a:picLocks noChangeAspect="1"/>
+          </p:cNvPicPr>
+          <p:nvPr>
+            <p:custDataLst>
+              <p:tags r:id="rId1"/>
+            </p:custDataLst>
+          </p:nvPr>
+        </p:nvPicPr>
+        <p:blipFill>
+          <a:blip r:embed="rId5">
+            <a:extLst>
+              <a:ext uri="{28A0092B-C50C-407E-A947-70E740481C1C}">
+                <a14:useLocalDpi xmlns:a14="http://schemas.microsoft.com/office/drawing/2010/main" val="0"/>
+              </a:ext>
+            </a:extLst>
+          </a:blip>
+          <a:stretch>
+            <a:fillRect/>
+          </a:stretch>
+        </p:blipFill>
+        <p:spPr>
+          <a:xfrm>
+            <a:off x="3277365" y="5631521"/>
+            <a:ext cx="833585" cy="638780"/>
+          </a:xfrm>
+          <a:prstGeom prst="rect">
+            <a:avLst/>
+          </a:prstGeom>
+        </p:spPr>
+      </p:pic>
+      <p:pic>
+        <p:nvPicPr>
+          <p:cNvPr id="24" name="Picture 23" descr="\documentclass{article}&#10;\usepackage{amsmath}&#10;\usepackage[dvipsnames]{xcolor}&#10;\pagestyle{empty}&#10;&#10;%% Operators&#10;\newcommand{\norm}[1]{\left\Vert#1\right\Vert} % Norm&#10;\newcommand{\abs}[1]{\left\vert#1\right\vert} % Absolute value&#10;\newcommand{\pd}[2]{{\frac{\partial #1}{\partial #2}}} % Partial derivative&#10;\newcommand{\mc}[1]{\mathcal{#1}}  &#10;\newcommand{\mf}[1]{\mathfrak{#1}}  &#10;&#10;%% Matrix shortcuts&#10;\newcommand{\bma}[1]{\left[\begin{array}{#1}}&#10;\newcommand{\ema}{\end{array}\right]}&#10;&#10;% Basic bold for letters and symbols&#10;\DeclareMathAlphabet{\mbf}{OT1}{ptm}{b}{n}&#10;\newcommand{\mbs}[1]{{\boldsymbol{#1}}}&#10;\newcommand{\mbm}[1]{ \textbf{\textit{#1}} } % {\bm #1}&#10;\newcommand{\mbc}[1]{ \boldsymbol{\mathcal{#1}} } &#10;&#10;% helper bold symbols&#10;\newcommand{\mbsdot}[1]{{\dot{\boldsymbol{#1}}}}&#10;\newcommand{\mbsbar}[1]{{\bar{\boldsymbol{#1}}}}&#10;\newcommand{\mbshat}[1]{{\hat{\boldsymbol{#1}}}}&#10;\newcommand{\mbsvec}[1]{{\underrightarrow{\boldsymbol{#1}}}}&#10;\newcommand{\mbsdel}[1]{{\delta {\boldsymbol{#1}}}}&#10;\newcommand{\mbstilde}[1]{{\tilde{\boldsymbol{#1}}}}&#10;\newcommand{\mbfdot}[1]{{\dot{\mbf{#1}}}}&#10;\newcommand{\mbfbar}[1]{{\bar{\mbf{#1}}}}&#10;\newcommand{\mbfhat}[1]{{\hat{\mbf{#1}}}}&#10;\newcommand{\mbfvec}[1]{{\underrightarrow{\mbf{#1}}}}&#10;\newcommand{\mbfdel}[1]{{\delta{\mbf{#1}}}}&#10;\newcommand{\mbftilde}[1]{{\tilde{\mbf{#1}}}}&#10;\newcommand{\mbfcheck}[1]{{\check{\mbf{#1}}}}&#10;\newcommand{\colour}[2]{\color{#1}{#2}\color{black}}&#10;&#10;\newcommand{\trans}{{\ensuremath{\mathsf{T}}}} % transpose&#10;\definecolor{lightgreen}{rgb}{0.6,1,0.6}&#10;\definecolor{lightblue}{rgb}{0.85,0.85,1}&#10;\definecolor{lightred}{rgb}{1,0.75,0.75}&#10;\definecolor{verylightred}{rgb}{1,0.5,0.5}&#10;\definecolor{darkgreen}{rgb}{0.2,0.6,0.2}&#10;\definecolor{darkblue}{rgb}{0.2,0.2,0.5}&#10;\definecolor{darkred}{rgb}{0.8,0.1,0.1}&#10;\definecolor{lightgray}{rgb}{0.93,0.93,0.93}&#10;\begin{document}&#10;&#10;$$ \mc{F}_b$$&#10;&#10;\end{document}" title="IguanaTex Bitmap Display">
+            <a:extLst>
+              <a:ext uri="{FF2B5EF4-FFF2-40B4-BE49-F238E27FC236}">
+                <a16:creationId xmlns:a16="http://schemas.microsoft.com/office/drawing/2014/main" id="{877F2AF3-FF1E-37AB-EB47-1C3E8B0159CC}"/>
+              </a:ext>
+            </a:extLst>
+          </p:cNvPr>
+          <p:cNvPicPr>
+            <a:picLocks noChangeAspect="1"/>
+          </p:cNvPicPr>
+          <p:nvPr>
+            <p:custDataLst>
+              <p:tags r:id="rId2"/>
+            </p:custDataLst>
+          </p:nvPr>
+        </p:nvPicPr>
+        <p:blipFill>
+          <a:blip r:embed="rId6">
+            <a:extLst>
+              <a:ext uri="{28A0092B-C50C-407E-A947-70E740481C1C}">
+                <a14:useLocalDpi xmlns:a14="http://schemas.microsoft.com/office/drawing/2010/main" val="0"/>
+              </a:ext>
+            </a:extLst>
+          </a:blip>
+          <a:stretch>
+            <a:fillRect/>
+          </a:stretch>
+        </p:blipFill>
+        <p:spPr>
+          <a:xfrm>
+            <a:off x="8018640" y="2038191"/>
+            <a:ext cx="779220" cy="638780"/>
+          </a:xfrm>
+          <a:prstGeom prst="rect">
+            <a:avLst/>
+          </a:prstGeom>
+        </p:spPr>
+      </p:pic>
+      <p:sp>
+        <p:nvSpPr>
+          <p:cNvPr id="25" name="Isosceles Triangle 24">
+            <a:extLst>
+              <a:ext uri="{FF2B5EF4-FFF2-40B4-BE49-F238E27FC236}">
+                <a16:creationId xmlns:a16="http://schemas.microsoft.com/office/drawing/2014/main" id="{29F12708-68FB-2B9C-7920-B6635E114B73}"/>
+              </a:ext>
+            </a:extLst>
+          </p:cNvPr>
+          <p:cNvSpPr/>
+          <p:nvPr/>
+        </p:nvSpPr>
+        <p:spPr>
+          <a:xfrm>
+            <a:off x="2196269" y="1368880"/>
+            <a:ext cx="478564" cy="564023"/>
+          </a:xfrm>
+          <a:prstGeom prst="triangle">
+            <a:avLst/>
+          </a:prstGeom>
+          <a:solidFill>
+            <a:schemeClr val="accent6">
+              <a:lumMod val="75000"/>
+            </a:schemeClr>
+          </a:solidFill>
+        </p:spPr>
+        <p:style>
+          <a:lnRef idx="2">
+            <a:schemeClr val="accent1">
+              <a:shade val="15000"/>
+            </a:schemeClr>
+          </a:lnRef>
+          <a:fillRef idx="1">
+            <a:schemeClr val="accent1"/>
+          </a:fillRef>
+          <a:effectRef idx="0">
+            <a:schemeClr val="accent1"/>
+          </a:effectRef>
+          <a:fontRef idx="minor">
+            <a:schemeClr val="lt1"/>
+          </a:fontRef>
+        </p:style>
+        <p:txBody>
+          <a:bodyPr rtlCol="0" anchor="ctr"/>
+          <a:lstStyle/>
+          <a:p>
+            <a:pPr algn="ctr"/>
+            <a:endParaRPr lang="en-CA"/>
+          </a:p>
+        </p:txBody>
+      </p:sp>
+      <p:sp>
+        <p:nvSpPr>
+          <p:cNvPr id="26" name="Isosceles Triangle 25">
+            <a:extLst>
+              <a:ext uri="{FF2B5EF4-FFF2-40B4-BE49-F238E27FC236}">
+                <a16:creationId xmlns:a16="http://schemas.microsoft.com/office/drawing/2014/main" id="{C5A20D09-E32F-69B7-3547-196FD12A9EA7}"/>
+              </a:ext>
+            </a:extLst>
+          </p:cNvPr>
+          <p:cNvSpPr/>
+          <p:nvPr/>
+        </p:nvSpPr>
+        <p:spPr>
+          <a:xfrm>
+            <a:off x="6981614" y="187316"/>
+            <a:ext cx="478564" cy="564023"/>
+          </a:xfrm>
+          <a:prstGeom prst="triangle">
+            <a:avLst/>
+          </a:prstGeom>
+          <a:solidFill>
+            <a:schemeClr val="accent6">
+              <a:lumMod val="75000"/>
+            </a:schemeClr>
+          </a:solidFill>
+        </p:spPr>
+        <p:style>
+          <a:lnRef idx="2">
+            <a:schemeClr val="accent1">
+              <a:shade val="15000"/>
+            </a:schemeClr>
+          </a:lnRef>
+          <a:fillRef idx="1">
+            <a:schemeClr val="accent1"/>
+          </a:fillRef>
+          <a:effectRef idx="0">
+            <a:schemeClr val="accent1"/>
+          </a:effectRef>
+          <a:fontRef idx="minor">
+            <a:schemeClr val="lt1"/>
+          </a:fontRef>
+        </p:style>
+        <p:txBody>
+          <a:bodyPr rtlCol="0" anchor="ctr"/>
+          <a:lstStyle/>
+          <a:p>
+            <a:pPr algn="ctr"/>
+            <a:endParaRPr lang="en-CA"/>
+          </a:p>
+        </p:txBody>
+      </p:sp>
+      <p:sp>
+        <p:nvSpPr>
+          <p:cNvPr id="27" name="Isosceles Triangle 26">
+            <a:extLst>
+              <a:ext uri="{FF2B5EF4-FFF2-40B4-BE49-F238E27FC236}">
+                <a16:creationId xmlns:a16="http://schemas.microsoft.com/office/drawing/2014/main" id="{A997BA01-EEB4-CC01-FC0C-E393A463F987}"/>
+              </a:ext>
+            </a:extLst>
+          </p:cNvPr>
+          <p:cNvSpPr/>
+          <p:nvPr/>
+        </p:nvSpPr>
+        <p:spPr>
+          <a:xfrm>
+            <a:off x="9440253" y="5134733"/>
+            <a:ext cx="478564" cy="564023"/>
+          </a:xfrm>
+          <a:prstGeom prst="triangle">
+            <a:avLst/>
+          </a:prstGeom>
+          <a:solidFill>
+            <a:schemeClr val="accent6">
+              <a:lumMod val="75000"/>
+            </a:schemeClr>
+          </a:solidFill>
+        </p:spPr>
+        <p:style>
+          <a:lnRef idx="2">
+            <a:schemeClr val="accent1">
+              <a:shade val="15000"/>
+            </a:schemeClr>
+          </a:lnRef>
+          <a:fillRef idx="1">
+            <a:schemeClr val="accent1"/>
+          </a:fillRef>
+          <a:effectRef idx="0">
+            <a:schemeClr val="accent1"/>
+          </a:effectRef>
+          <a:fontRef idx="minor">
+            <a:schemeClr val="lt1"/>
+          </a:fontRef>
+        </p:style>
+        <p:txBody>
+          <a:bodyPr rtlCol="0" anchor="ctr"/>
+          <a:lstStyle/>
+          <a:p>
+            <a:pPr algn="ctr"/>
+            <a:endParaRPr lang="en-CA"/>
+          </a:p>
+        </p:txBody>
+      </p:sp>
+      <p:cxnSp>
+        <p:nvCxnSpPr>
+          <p:cNvPr id="29" name="Straight Connector 28">
+            <a:extLst>
+              <a:ext uri="{FF2B5EF4-FFF2-40B4-BE49-F238E27FC236}">
+                <a16:creationId xmlns:a16="http://schemas.microsoft.com/office/drawing/2014/main" id="{455868FC-2462-3AA2-7BEC-A99862EAA370}"/>
+              </a:ext>
+            </a:extLst>
+          </p:cNvPr>
+          <p:cNvCxnSpPr>
+            <a:stCxn id="25" idx="0"/>
+          </p:cNvCxnSpPr>
+          <p:nvPr/>
+        </p:nvCxnSpPr>
+        <p:spPr>
+          <a:xfrm>
+            <a:off x="2435551" y="1368880"/>
+            <a:ext cx="4123687" cy="1605789"/>
+          </a:xfrm>
+          <a:prstGeom prst="line">
+            <a:avLst/>
+          </a:prstGeom>
+          <a:ln w="38100">
+            <a:solidFill>
+              <a:srgbClr val="C00000"/>
+            </a:solidFill>
+          </a:ln>
+        </p:spPr>
+        <p:style>
+          <a:lnRef idx="1">
+            <a:schemeClr val="accent1"/>
+          </a:lnRef>
+          <a:fillRef idx="0">
+            <a:schemeClr val="accent1"/>
+          </a:fillRef>
+          <a:effectRef idx="0">
+            <a:schemeClr val="accent1"/>
+          </a:effectRef>
+          <a:fontRef idx="minor">
+            <a:schemeClr val="tx1"/>
+          </a:fontRef>
+        </p:style>
+      </p:cxnSp>
+      <p:cxnSp>
+        <p:nvCxnSpPr>
+          <p:cNvPr id="30" name="Straight Connector 29">
+            <a:extLst>
+              <a:ext uri="{FF2B5EF4-FFF2-40B4-BE49-F238E27FC236}">
+                <a16:creationId xmlns:a16="http://schemas.microsoft.com/office/drawing/2014/main" id="{4743EA4D-398D-B357-4F5D-5C18E5155C74}"/>
+              </a:ext>
+            </a:extLst>
+          </p:cNvPr>
+          <p:cNvCxnSpPr>
+            <a:cxnSpLocks/>
+            <a:stCxn id="26" idx="0"/>
+          </p:cNvCxnSpPr>
+          <p:nvPr/>
+        </p:nvCxnSpPr>
+        <p:spPr>
+          <a:xfrm flipH="1">
+            <a:off x="6559238" y="187316"/>
+            <a:ext cx="661658" cy="2787353"/>
+          </a:xfrm>
+          <a:prstGeom prst="line">
+            <a:avLst/>
+          </a:prstGeom>
+          <a:ln w="38100">
+            <a:solidFill>
+              <a:srgbClr val="C00000"/>
+            </a:solidFill>
+          </a:ln>
+        </p:spPr>
+        <p:style>
+          <a:lnRef idx="1">
+            <a:schemeClr val="accent1"/>
+          </a:lnRef>
+          <a:fillRef idx="0">
+            <a:schemeClr val="accent1"/>
+          </a:fillRef>
+          <a:effectRef idx="0">
+            <a:schemeClr val="accent1"/>
+          </a:effectRef>
+          <a:fontRef idx="minor">
+            <a:schemeClr val="tx1"/>
+          </a:fontRef>
+        </p:style>
+      </p:cxnSp>
+      <p:cxnSp>
+        <p:nvCxnSpPr>
+          <p:cNvPr id="34" name="Straight Connector 33">
+            <a:extLst>
+              <a:ext uri="{FF2B5EF4-FFF2-40B4-BE49-F238E27FC236}">
+                <a16:creationId xmlns:a16="http://schemas.microsoft.com/office/drawing/2014/main" id="{1510CE9F-1BFE-520B-F04A-23045D913B51}"/>
+              </a:ext>
+            </a:extLst>
+          </p:cNvPr>
+          <p:cNvCxnSpPr>
+            <a:cxnSpLocks/>
+            <a:stCxn id="27" idx="0"/>
+          </p:cNvCxnSpPr>
+          <p:nvPr/>
+        </p:nvCxnSpPr>
+        <p:spPr>
+          <a:xfrm flipH="1" flipV="1">
+            <a:off x="6558762" y="2984642"/>
+            <a:ext cx="3120773" cy="2150091"/>
+          </a:xfrm>
+          <a:prstGeom prst="line">
+            <a:avLst/>
+          </a:prstGeom>
+          <a:ln w="38100">
+            <a:solidFill>
+              <a:srgbClr val="C00000"/>
+            </a:solidFill>
+          </a:ln>
+        </p:spPr>
+        <p:style>
+          <a:lnRef idx="1">
+            <a:schemeClr val="accent1"/>
+          </a:lnRef>
+          <a:fillRef idx="0">
+            <a:schemeClr val="accent1"/>
+          </a:fillRef>
+          <a:effectRef idx="0">
+            <a:schemeClr val="accent1"/>
+          </a:effectRef>
+          <a:fontRef idx="minor">
+            <a:schemeClr val="tx1"/>
+          </a:fontRef>
+        </p:style>
+      </p:cxnSp>
+      <p:cxnSp>
+        <p:nvCxnSpPr>
+          <p:cNvPr id="38" name="Straight Connector 37">
+            <a:extLst>
+              <a:ext uri="{FF2B5EF4-FFF2-40B4-BE49-F238E27FC236}">
+                <a16:creationId xmlns:a16="http://schemas.microsoft.com/office/drawing/2014/main" id="{504C3947-1152-7037-5912-35FA66DBABBF}"/>
+              </a:ext>
+            </a:extLst>
+          </p:cNvPr>
+          <p:cNvCxnSpPr>
+            <a:cxnSpLocks/>
+          </p:cNvCxnSpPr>
+          <p:nvPr/>
+        </p:nvCxnSpPr>
+        <p:spPr>
+          <a:xfrm>
+            <a:off x="6558762" y="2974669"/>
+            <a:ext cx="1397373" cy="0"/>
+          </a:xfrm>
+          <a:prstGeom prst="line">
+            <a:avLst/>
+          </a:prstGeom>
+          <a:ln>
+            <a:solidFill>
+              <a:schemeClr val="bg2">
+                <a:lumMod val="50000"/>
+              </a:schemeClr>
+            </a:solidFill>
+            <a:prstDash val="lgDash"/>
+          </a:ln>
+        </p:spPr>
+        <p:style>
+          <a:lnRef idx="1">
+            <a:schemeClr val="dk1"/>
+          </a:lnRef>
+          <a:fillRef idx="0">
+            <a:schemeClr val="dk1"/>
+          </a:fillRef>
+          <a:effectRef idx="0">
+            <a:schemeClr val="dk1"/>
+          </a:effectRef>
+          <a:fontRef idx="minor">
+            <a:schemeClr val="tx1"/>
+          </a:fontRef>
+        </p:style>
+      </p:cxnSp>
+      <p:pic>
+        <p:nvPicPr>
+          <p:cNvPr id="42" name="Picture 41" descr="\documentclass{article}&#10;\usepackage{amsmath}&#10;\usepackage[dvipsnames]{xcolor}&#10;\pagestyle{empty}&#10;&#10;%% Operators&#10;\newcommand{\norm}[1]{\left\Vert#1\right\Vert} % Norm&#10;\newcommand{\abs}[1]{\left\vert#1\right\vert} % Absolute value&#10;\newcommand{\pd}[2]{{\frac{\partial #1}{\partial #2}}} % Partial derivative&#10;\newcommand{\mc}[1]{\mathcal{#1}}  &#10;\newcommand{\mf}[1]{\mathfrak{#1}}  &#10;&#10;%% Matrix shortcuts&#10;\newcommand{\bma}[1]{\left[\begin{array}{#1}}&#10;\newcommand{\ema}{\end{array}\right]}&#10;&#10;% Basic bold for letters and symbols&#10;\DeclareMathAlphabet{\mbf}{OT1}{ptm}{b}{n}&#10;\newcommand{\mbs}[1]{{\boldsymbol{#1}}}&#10;\newcommand{\mbm}[1]{ \textbf{\textit{#1}} } % {\bm #1}&#10;\newcommand{\mbc}[1]{ \boldsymbol{\mathcal{#1}} } &#10;&#10;% helper bold symbols&#10;\newcommand{\mbsdot}[1]{{\dot{\boldsymbol{#1}}}}&#10;\newcommand{\mbsbar}[1]{{\bar{\boldsymbol{#1}}}}&#10;\newcommand{\mbshat}[1]{{\hat{\boldsymbol{#1}}}}&#10;\newcommand{\mbsvec}[1]{{\underrightarrow{\boldsymbol{#1}}}}&#10;\newcommand{\mbsdel}[1]{{\delta {\boldsymbol{#1}}}}&#10;\newcommand{\mbstilde}[1]{{\tilde{\boldsymbol{#1}}}}&#10;\newcommand{\mbfdot}[1]{{\dot{\mbf{#1}}}}&#10;\newcommand{\mbfbar}[1]{{\bar{\mbf{#1}}}}&#10;\newcommand{\mbfhat}[1]{{\hat{\mbf{#1}}}}&#10;\newcommand{\mbfvec}[1]{{\underrightarrow{\mbf{#1}}}}&#10;\newcommand{\mbfdel}[1]{{\delta{\mbf{#1}}}}&#10;\newcommand{\mbftilde}[1]{{\tilde{\mbf{#1}}}}&#10;\newcommand{\mbfcheck}[1]{{\check{\mbf{#1}}}}&#10;\newcommand{\colour}[2]{\color{#1}{#2}\color{black}}&#10;&#10;\newcommand{\trans}{{\ensuremath{\mathsf{T}}}} % transpose&#10;\definecolor{lightgreen}{rgb}{0.6,1,0.6}&#10;\definecolor{lightblue}{rgb}{0.85,0.85,1}&#10;\definecolor{lightred}{rgb}{1,0.75,0.75}&#10;\definecolor{verylightred}{rgb}{1,0.5,0.5}&#10;\definecolor{darkgreen}{rgb}{0.2,0.6,0.2}&#10;\definecolor{darkblue}{rgb}{0.2,0.2,0.5}&#10;\definecolor{darkred}{rgb}{0.8,0.1,0.1}&#10;\definecolor{lightgray}{rgb}{0.93,0.93,0.93}&#10;\begin{document}&#10;&#10;$$ \theta$$&#10;&#10;\end{document}" title="IguanaTex Bitmap Display">
+            <a:extLst>
+              <a:ext uri="{FF2B5EF4-FFF2-40B4-BE49-F238E27FC236}">
+                <a16:creationId xmlns:a16="http://schemas.microsoft.com/office/drawing/2014/main" id="{034EA581-29D9-2F83-27F0-301F2473763B}"/>
+              </a:ext>
+            </a:extLst>
+          </p:cNvPr>
+          <p:cNvPicPr>
+            <a:picLocks noChangeAspect="1"/>
+          </p:cNvPicPr>
+          <p:nvPr>
+            <p:custDataLst>
+              <p:tags r:id="rId3"/>
+            </p:custDataLst>
+          </p:nvPr>
+        </p:nvPicPr>
+        <p:blipFill>
+          <a:blip r:embed="rId7">
+            <a:extLst>
+              <a:ext uri="{28A0092B-C50C-407E-A947-70E740481C1C}">
+                <a14:useLocalDpi xmlns:a14="http://schemas.microsoft.com/office/drawing/2010/main" val="0"/>
+              </a:ext>
+            </a:extLst>
+          </a:blip>
+          <a:stretch>
+            <a:fillRect/>
+          </a:stretch>
+        </p:blipFill>
+        <p:spPr>
+          <a:xfrm>
+            <a:off x="7145816" y="2631802"/>
+            <a:ext cx="148255" cy="252033"/>
+          </a:xfrm>
+          <a:prstGeom prst="rect">
+            <a:avLst/>
+          </a:prstGeom>
+        </p:spPr>
+      </p:pic>
+    </p:spTree>
+    <p:extLst>
+      <p:ext uri="{BB962C8B-B14F-4D97-AF65-F5344CB8AC3E}">
+        <p14:creationId xmlns:p14="http://schemas.microsoft.com/office/powerpoint/2010/main" val="3742039131"/>
+      </p:ext>
+    </p:extLst>
+  </p:cSld>
+  <p:clrMapOvr>
+    <a:masterClrMapping/>
+  </p:clrMapOvr>
+</p:sld>
+</file>
+
 <file path=ppt/tags/tag1.xml><?xml version="1.0" encoding="utf-8"?>
 <p:tagLst xmlns:a="http://schemas.openxmlformats.org/drawingml/2006/main" xmlns:r="http://schemas.openxmlformats.org/officeDocument/2006/relationships" xmlns:p="http://schemas.openxmlformats.org/presentationml/2006/main">
   <p:tag name="OUTPUTDPI" val="1200"/>
@@ -6025,6 +6681,60 @@
   <p:tag name="LATEXADDIN" val="\documentclass{article}&#10;\usepackage{amsmath}&#10;\usepackage[dvipsnames]{xcolor}&#10;\pagestyle{empty}&#10;&#10;%% Operators&#10;\newcommand{\norm}[1]{\left\Vert#1\right\Vert} % Norm&#10;\newcommand{\abs}[1]{\left\vert#1\right\vert} % Absolute value&#10;\newcommand{\pd}[2]{{\frac{\partial #1}{\partial #2}}} % Partial derivative&#10;\newcommand{\mc}[1]{\mathcal{#1}}  &#10;\newcommand{\mf}[1]{\mathfrak{#1}}  &#10;&#10;%% Matrix shortcuts&#10;\newcommand{\bma}[1]{\left[\begin{array}{#1}}&#10;\newcommand{\ema}{\end{array}\right]}&#10;&#10;% Basic bold for letters and symbols&#10;\DeclareMathAlphabet{\mbf}{OT1}{ptm}{b}{n}&#10;\newcommand{\mbs}[1]{{\boldsymbol{#1}}}&#10;\newcommand{\mbm}[1]{ \textbf{\textit{#1}} } % {\bm #1}&#10;\newcommand{\mbc}[1]{ \boldsymbol{\mathcal{#1}} } &#10;&#10;% helper bold symbols&#10;\newcommand{\mbsdot}[1]{{\dot{\boldsymbol{#1}}}}&#10;\newcommand{\mbsbar}[1]{{\bar{\boldsymbol{#1}}}}&#10;\newcommand{\mbshat}[1]{{\hat{\boldsymbol{#1}}}}&#10;\newcommand{\mbsvec}[1]{{\underrightarrow{\boldsymbol{#1}}}}&#10;\newcommand{\mbsdel}[1]{{\delta {\boldsymbol{#1}}}}&#10;\newcommand{\mbstilde}[1]{{\tilde{\boldsymbol{#1}}}}&#10;\newcommand{\mbfdot}[1]{{\dot{\mbf{#1}}}}&#10;\newcommand{\mbfbar}[1]{{\bar{\mbf{#1}}}}&#10;\newcommand{\mbfhat}[1]{{\hat{\mbf{#1}}}}&#10;\newcommand{\mbfvec}[1]{{\underrightarrow{\mbf{#1}}}}&#10;\newcommand{\mbfdel}[1]{{\delta{\mbf{#1}}}}&#10;\newcommand{\mbftilde}[1]{{\tilde{\mbf{#1}}}}&#10;\newcommand{\mbfcheck}[1]{{\check{\mbf{#1}}}}&#10;\newcommand{\colour}[2]{\color{#1}{#2}\color{black}}&#10;&#10;\newcommand{\trans}{{\ensuremath{\mathsf{T}}}} % transpose&#10;\definecolor{lightgreen}{rgb}{0.6,1,0.6}&#10;\definecolor{lightblue}{rgb}{0.85,0.85,1}&#10;\definecolor{lightred}{rgb}{1,0.75,0.75}&#10;\definecolor{verylightred}{rgb}{1,0.5,0.5}&#10;\definecolor{darkgreen}{rgb}{0.2,0.6,0.2}&#10;\definecolor{darkblue}{rgb}{0.2,0.2,0.5}&#10;\definecolor{darkred}{rgb}{0.8,0.1,0.1}&#10;\definecolor{lightgray}{rgb}{0.93,0.93,0.93}&#10;\begin{document}&#10;&#10;\begin{align*}&#10;\mathbf{x}_{k} &amp;= \mathbf{f}(\mathbf{x}_{k-1}, \mathbf{u}_{k-1}) \\&#10;\mathbf{y}_k &amp;= \mathbf{g}(\mathbf{x}_{k})&#10;\end{align*}&#10;\end{document}"/>
   <p:tag name="IGUANATEXSIZE" val="22"/>
   <p:tag name="IGUANATEXCURSOR" val="1963"/>
+  <p:tag name="TRANSPARENCY" val="True"/>
+  <p:tag name="LATEXENGINEID" val="0"/>
+  <p:tag name="TEMPFOLDER" val="c:\temp\"/>
+  <p:tag name="LATEXFORMHEIGHT" val="312"/>
+  <p:tag name="LATEXFORMWIDTH" val="384"/>
+  <p:tag name="LATEXFORMWRAP" val="True"/>
+  <p:tag name="BITMAPVECTOR" val="0"/>
+</p:tagLst>
+</file>
+
+<file path=ppt/tags/tag2.xml><?xml version="1.0" encoding="utf-8"?>
+<p:tagLst xmlns:a="http://schemas.openxmlformats.org/drawingml/2006/main" xmlns:r="http://schemas.openxmlformats.org/officeDocument/2006/relationships" xmlns:p="http://schemas.openxmlformats.org/presentationml/2006/main">
+  <p:tag name="OUTPUTDPI" val="1200"/>
+  <p:tag name="ORIGINALHEIGHT" val="105.7368"/>
+  <p:tag name="ORIGINALWIDTH" val="137.9828"/>
+  <p:tag name="LATEXADDIN" val="\documentclass{article}&#10;\usepackage{amsmath}&#10;\usepackage[dvipsnames]{xcolor}&#10;\pagestyle{empty}&#10;&#10;%% Operators&#10;\newcommand{\norm}[1]{\left\Vert#1\right\Vert} % Norm&#10;\newcommand{\abs}[1]{\left\vert#1\right\vert} % Absolute value&#10;\newcommand{\pd}[2]{{\frac{\partial #1}{\partial #2}}} % Partial derivative&#10;\newcommand{\mc}[1]{\mathcal{#1}}  &#10;\newcommand{\mf}[1]{\mathfrak{#1}}  &#10;&#10;%% Matrix shortcuts&#10;\newcommand{\bma}[1]{\left[\begin{array}{#1}}&#10;\newcommand{\ema}{\end{array}\right]}&#10;&#10;% Basic bold for letters and symbols&#10;\DeclareMathAlphabet{\mbf}{OT1}{ptm}{b}{n}&#10;\newcommand{\mbs}[1]{{\boldsymbol{#1}}}&#10;\newcommand{\mbm}[1]{ \textbf{\textit{#1}} } % {\bm #1}&#10;\newcommand{\mbc}[1]{ \boldsymbol{\mathcal{#1}} } &#10;&#10;% helper bold symbols&#10;\newcommand{\mbsdot}[1]{{\dot{\boldsymbol{#1}}}}&#10;\newcommand{\mbsbar}[1]{{\bar{\boldsymbol{#1}}}}&#10;\newcommand{\mbshat}[1]{{\hat{\boldsymbol{#1}}}}&#10;\newcommand{\mbsvec}[1]{{\underrightarrow{\boldsymbol{#1}}}}&#10;\newcommand{\mbsdel}[1]{{\delta {\boldsymbol{#1}}}}&#10;\newcommand{\mbstilde}[1]{{\tilde{\boldsymbol{#1}}}}&#10;\newcommand{\mbfdot}[1]{{\dot{\mbf{#1}}}}&#10;\newcommand{\mbfbar}[1]{{\bar{\mbf{#1}}}}&#10;\newcommand{\mbfhat}[1]{{\hat{\mbf{#1}}}}&#10;\newcommand{\mbfvec}[1]{{\underrightarrow{\mbf{#1}}}}&#10;\newcommand{\mbfdel}[1]{{\delta{\mbf{#1}}}}&#10;\newcommand{\mbftilde}[1]{{\tilde{\mbf{#1}}}}&#10;\newcommand{\mbfcheck}[1]{{\check{\mbf{#1}}}}&#10;\newcommand{\colour}[2]{\color{#1}{#2}\color{black}}&#10;&#10;\newcommand{\trans}{{\ensuremath{\mathsf{T}}}} % transpose&#10;\definecolor{lightgreen}{rgb}{0.6,1,0.6}&#10;\definecolor{lightblue}{rgb}{0.85,0.85,1}&#10;\definecolor{lightred}{rgb}{1,0.75,0.75}&#10;\definecolor{verylightred}{rgb}{1,0.5,0.5}&#10;\definecolor{darkgreen}{rgb}{0.2,0.6,0.2}&#10;\definecolor{darkblue}{rgb}{0.2,0.2,0.5}&#10;\definecolor{darkred}{rgb}{0.8,0.1,0.1}&#10;\definecolor{lightgray}{rgb}{0.93,0.93,0.93}&#10;\begin{document}&#10;&#10;$$ \mc{F}_a$$&#10;&#10;\end{document}"/>
+  <p:tag name="IGUANATEXSIZE" val="22"/>
+  <p:tag name="IGUANATEXCURSOR" val="1831"/>
+  <p:tag name="TRANSPARENCY" val="True"/>
+  <p:tag name="LATEXENGINEID" val="0"/>
+  <p:tag name="TEMPFOLDER" val="c:\temp\"/>
+  <p:tag name="LATEXFORMHEIGHT" val="312"/>
+  <p:tag name="LATEXFORMWIDTH" val="384"/>
+  <p:tag name="LATEXFORMWRAP" val="True"/>
+  <p:tag name="BITMAPVECTOR" val="0"/>
+</p:tagLst>
+</file>
+
+<file path=ppt/tags/tag3.xml><?xml version="1.0" encoding="utf-8"?>
+<p:tagLst xmlns:a="http://schemas.openxmlformats.org/drawingml/2006/main" xmlns:r="http://schemas.openxmlformats.org/officeDocument/2006/relationships" xmlns:p="http://schemas.openxmlformats.org/presentationml/2006/main">
+  <p:tag name="OUTPUTDPI" val="1200"/>
+  <p:tag name="ORIGINALHEIGHT" val="105.7368"/>
+  <p:tag name="ORIGINALWIDTH" val="128.9839"/>
+  <p:tag name="LATEXADDIN" val="\documentclass{article}&#10;\usepackage{amsmath}&#10;\usepackage[dvipsnames]{xcolor}&#10;\pagestyle{empty}&#10;&#10;%% Operators&#10;\newcommand{\norm}[1]{\left\Vert#1\right\Vert} % Norm&#10;\newcommand{\abs}[1]{\left\vert#1\right\vert} % Absolute value&#10;\newcommand{\pd}[2]{{\frac{\partial #1}{\partial #2}}} % Partial derivative&#10;\newcommand{\mc}[1]{\mathcal{#1}}  &#10;\newcommand{\mf}[1]{\mathfrak{#1}}  &#10;&#10;%% Matrix shortcuts&#10;\newcommand{\bma}[1]{\left[\begin{array}{#1}}&#10;\newcommand{\ema}{\end{array}\right]}&#10;&#10;% Basic bold for letters and symbols&#10;\DeclareMathAlphabet{\mbf}{OT1}{ptm}{b}{n}&#10;\newcommand{\mbs}[1]{{\boldsymbol{#1}}}&#10;\newcommand{\mbm}[1]{ \textbf{\textit{#1}} } % {\bm #1}&#10;\newcommand{\mbc}[1]{ \boldsymbol{\mathcal{#1}} } &#10;&#10;% helper bold symbols&#10;\newcommand{\mbsdot}[1]{{\dot{\boldsymbol{#1}}}}&#10;\newcommand{\mbsbar}[1]{{\bar{\boldsymbol{#1}}}}&#10;\newcommand{\mbshat}[1]{{\hat{\boldsymbol{#1}}}}&#10;\newcommand{\mbsvec}[1]{{\underrightarrow{\boldsymbol{#1}}}}&#10;\newcommand{\mbsdel}[1]{{\delta {\boldsymbol{#1}}}}&#10;\newcommand{\mbstilde}[1]{{\tilde{\boldsymbol{#1}}}}&#10;\newcommand{\mbfdot}[1]{{\dot{\mbf{#1}}}}&#10;\newcommand{\mbfbar}[1]{{\bar{\mbf{#1}}}}&#10;\newcommand{\mbfhat}[1]{{\hat{\mbf{#1}}}}&#10;\newcommand{\mbfvec}[1]{{\underrightarrow{\mbf{#1}}}}&#10;\newcommand{\mbfdel}[1]{{\delta{\mbf{#1}}}}&#10;\newcommand{\mbftilde}[1]{{\tilde{\mbf{#1}}}}&#10;\newcommand{\mbfcheck}[1]{{\check{\mbf{#1}}}}&#10;\newcommand{\colour}[2]{\color{#1}{#2}\color{black}}&#10;&#10;\newcommand{\trans}{{\ensuremath{\mathsf{T}}}} % transpose&#10;\definecolor{lightgreen}{rgb}{0.6,1,0.6}&#10;\definecolor{lightblue}{rgb}{0.85,0.85,1}&#10;\definecolor{lightred}{rgb}{1,0.75,0.75}&#10;\definecolor{verylightred}{rgb}{1,0.5,0.5}&#10;\definecolor{darkgreen}{rgb}{0.2,0.6,0.2}&#10;\definecolor{darkblue}{rgb}{0.2,0.2,0.5}&#10;\definecolor{darkred}{rgb}{0.8,0.1,0.1}&#10;\definecolor{lightgray}{rgb}{0.93,0.93,0.93}&#10;\begin{document}&#10;&#10;$$ \mc{F}_b$$&#10;&#10;\end{document}"/>
+  <p:tag name="IGUANATEXSIZE" val="22"/>
+  <p:tag name="IGUANATEXCURSOR" val="1837"/>
+  <p:tag name="TRANSPARENCY" val="True"/>
+  <p:tag name="LATEXENGINEID" val="0"/>
+  <p:tag name="TEMPFOLDER" val="c:\temp\"/>
+  <p:tag name="LATEXFORMHEIGHT" val="312"/>
+  <p:tag name="LATEXFORMWIDTH" val="384"/>
+  <p:tag name="LATEXFORMWRAP" val="True"/>
+  <p:tag name="BITMAPVECTOR" val="0"/>
+</p:tagLst>
+</file>
+
+<file path=ppt/tags/tag4.xml><?xml version="1.0" encoding="utf-8"?>
+<p:tagLst xmlns:a="http://schemas.openxmlformats.org/drawingml/2006/main" xmlns:r="http://schemas.openxmlformats.org/officeDocument/2006/relationships" xmlns:p="http://schemas.openxmlformats.org/presentationml/2006/main">
+  <p:tag name="OUTPUTDPI" val="1200"/>
+  <p:tag name="ORIGINALHEIGHT" val="89.23882"/>
+  <p:tag name="ORIGINALWIDTH" val="52.49347"/>
+  <p:tag name="LATEXADDIN" val="\documentclass{article}&#10;\usepackage{amsmath}&#10;\usepackage[dvipsnames]{xcolor}&#10;\pagestyle{empty}&#10;&#10;%% Operators&#10;\newcommand{\norm}[1]{\left\Vert#1\right\Vert} % Norm&#10;\newcommand{\abs}[1]{\left\vert#1\right\vert} % Absolute value&#10;\newcommand{\pd}[2]{{\frac{\partial #1}{\partial #2}}} % Partial derivative&#10;\newcommand{\mc}[1]{\mathcal{#1}}  &#10;\newcommand{\mf}[1]{\mathfrak{#1}}  &#10;&#10;%% Matrix shortcuts&#10;\newcommand{\bma}[1]{\left[\begin{array}{#1}}&#10;\newcommand{\ema}{\end{array}\right]}&#10;&#10;% Basic bold for letters and symbols&#10;\DeclareMathAlphabet{\mbf}{OT1}{ptm}{b}{n}&#10;\newcommand{\mbs}[1]{{\boldsymbol{#1}}}&#10;\newcommand{\mbm}[1]{ \textbf{\textit{#1}} } % {\bm #1}&#10;\newcommand{\mbc}[1]{ \boldsymbol{\mathcal{#1}} } &#10;&#10;% helper bold symbols&#10;\newcommand{\mbsdot}[1]{{\dot{\boldsymbol{#1}}}}&#10;\newcommand{\mbsbar}[1]{{\bar{\boldsymbol{#1}}}}&#10;\newcommand{\mbshat}[1]{{\hat{\boldsymbol{#1}}}}&#10;\newcommand{\mbsvec}[1]{{\underrightarrow{\boldsymbol{#1}}}}&#10;\newcommand{\mbsdel}[1]{{\delta {\boldsymbol{#1}}}}&#10;\newcommand{\mbstilde}[1]{{\tilde{\boldsymbol{#1}}}}&#10;\newcommand{\mbfdot}[1]{{\dot{\mbf{#1}}}}&#10;\newcommand{\mbfbar}[1]{{\bar{\mbf{#1}}}}&#10;\newcommand{\mbfhat}[1]{{\hat{\mbf{#1}}}}&#10;\newcommand{\mbfvec}[1]{{\underrightarrow{\mbf{#1}}}}&#10;\newcommand{\mbfdel}[1]{{\delta{\mbf{#1}}}}&#10;\newcommand{\mbftilde}[1]{{\tilde{\mbf{#1}}}}&#10;\newcommand{\mbfcheck}[1]{{\check{\mbf{#1}}}}&#10;\newcommand{\colour}[2]{\color{#1}{#2}\color{black}}&#10;&#10;\newcommand{\trans}{{\ensuremath{\mathsf{T}}}} % transpose&#10;\definecolor{lightgreen}{rgb}{0.6,1,0.6}&#10;\definecolor{lightblue}{rgb}{0.85,0.85,1}&#10;\definecolor{lightred}{rgb}{1,0.75,0.75}&#10;\definecolor{verylightred}{rgb}{1,0.5,0.5}&#10;\definecolor{darkgreen}{rgb}{0.2,0.6,0.2}&#10;\definecolor{darkblue}{rgb}{0.2,0.2,0.5}&#10;\definecolor{darkred}{rgb}{0.8,0.1,0.1}&#10;\definecolor{lightgray}{rgb}{0.93,0.93,0.93}&#10;\begin{document}&#10;&#10;$$ \theta$$&#10;&#10;\end{document}"/>
+  <p:tag name="IGUANATEXSIZE" val="22"/>
+  <p:tag name="IGUANATEXCURSOR" val="1835"/>
   <p:tag name="TRANSPARENCY" val="True"/>
   <p:tag name="LATEXENGINEID" val="0"/>
   <p:tag name="TEMPFOLDER" val="c:\temp\"/>
